--- a/Assignment/Marketing Presentation/Presentation roughs v2 Erics Version.pptx
+++ b/Assignment/Marketing Presentation/Presentation roughs v2 Erics Version.pptx
@@ -354,7 +354,7 @@
     </p:spTree>
     <p:extLst>
       <p:ext uri="{BB962C8B-B14F-4D97-AF65-F5344CB8AC3E}">
-        <p14:creationId xmlns:p14="http://schemas.microsoft.com/office/powerpoint/2010/main" xmlns="" val="1555243768"/>
+        <p14:creationId xmlns="" xmlns:p14="http://schemas.microsoft.com/office/powerpoint/2010/main" val="1555243768"/>
       </p:ext>
     </p:extLst>
   </p:cSld>
@@ -526,7 +526,7 @@
     </p:spTree>
     <p:extLst>
       <p:ext uri="{BB962C8B-B14F-4D97-AF65-F5344CB8AC3E}">
-        <p14:creationId xmlns:p14="http://schemas.microsoft.com/office/powerpoint/2010/main" xmlns="" val="713660227"/>
+        <p14:creationId xmlns="" xmlns:p14="http://schemas.microsoft.com/office/powerpoint/2010/main" val="713660227"/>
       </p:ext>
     </p:extLst>
   </p:cSld>
@@ -708,7 +708,7 @@
     </p:spTree>
     <p:extLst>
       <p:ext uri="{BB962C8B-B14F-4D97-AF65-F5344CB8AC3E}">
-        <p14:creationId xmlns:p14="http://schemas.microsoft.com/office/powerpoint/2010/main" xmlns="" val="162425216"/>
+        <p14:creationId xmlns="" xmlns:p14="http://schemas.microsoft.com/office/powerpoint/2010/main" val="162425216"/>
       </p:ext>
     </p:extLst>
   </p:cSld>
@@ -880,7 +880,7 @@
     </p:spTree>
     <p:extLst>
       <p:ext uri="{BB962C8B-B14F-4D97-AF65-F5344CB8AC3E}">
-        <p14:creationId xmlns:p14="http://schemas.microsoft.com/office/powerpoint/2010/main" xmlns="" val="4079926037"/>
+        <p14:creationId xmlns="" xmlns:p14="http://schemas.microsoft.com/office/powerpoint/2010/main" val="4079926037"/>
       </p:ext>
     </p:extLst>
   </p:cSld>
@@ -1128,7 +1128,7 @@
     </p:spTree>
     <p:extLst>
       <p:ext uri="{BB962C8B-B14F-4D97-AF65-F5344CB8AC3E}">
-        <p14:creationId xmlns:p14="http://schemas.microsoft.com/office/powerpoint/2010/main" xmlns="" val="2510077736"/>
+        <p14:creationId xmlns="" xmlns:p14="http://schemas.microsoft.com/office/powerpoint/2010/main" val="2510077736"/>
       </p:ext>
     </p:extLst>
   </p:cSld>
@@ -1418,7 +1418,7 @@
     </p:spTree>
     <p:extLst>
       <p:ext uri="{BB962C8B-B14F-4D97-AF65-F5344CB8AC3E}">
-        <p14:creationId xmlns:p14="http://schemas.microsoft.com/office/powerpoint/2010/main" xmlns="" val="1625826670"/>
+        <p14:creationId xmlns="" xmlns:p14="http://schemas.microsoft.com/office/powerpoint/2010/main" val="1625826670"/>
       </p:ext>
     </p:extLst>
   </p:cSld>
@@ -1842,7 +1842,7 @@
     </p:spTree>
     <p:extLst>
       <p:ext uri="{BB962C8B-B14F-4D97-AF65-F5344CB8AC3E}">
-        <p14:creationId xmlns:p14="http://schemas.microsoft.com/office/powerpoint/2010/main" xmlns="" val="345696453"/>
+        <p14:creationId xmlns="" xmlns:p14="http://schemas.microsoft.com/office/powerpoint/2010/main" val="345696453"/>
       </p:ext>
     </p:extLst>
   </p:cSld>
@@ -1962,7 +1962,7 @@
     </p:spTree>
     <p:extLst>
       <p:ext uri="{BB962C8B-B14F-4D97-AF65-F5344CB8AC3E}">
-        <p14:creationId xmlns:p14="http://schemas.microsoft.com/office/powerpoint/2010/main" xmlns="" val="1642881801"/>
+        <p14:creationId xmlns="" xmlns:p14="http://schemas.microsoft.com/office/powerpoint/2010/main" val="1642881801"/>
       </p:ext>
     </p:extLst>
   </p:cSld>
@@ -2059,7 +2059,7 @@
     </p:spTree>
     <p:extLst>
       <p:ext uri="{BB962C8B-B14F-4D97-AF65-F5344CB8AC3E}">
-        <p14:creationId xmlns:p14="http://schemas.microsoft.com/office/powerpoint/2010/main" xmlns="" val="915159884"/>
+        <p14:creationId xmlns="" xmlns:p14="http://schemas.microsoft.com/office/powerpoint/2010/main" val="915159884"/>
       </p:ext>
     </p:extLst>
   </p:cSld>
@@ -2338,7 +2338,7 @@
     </p:spTree>
     <p:extLst>
       <p:ext uri="{BB962C8B-B14F-4D97-AF65-F5344CB8AC3E}">
-        <p14:creationId xmlns:p14="http://schemas.microsoft.com/office/powerpoint/2010/main" xmlns="" val="3708397902"/>
+        <p14:creationId xmlns="" xmlns:p14="http://schemas.microsoft.com/office/powerpoint/2010/main" val="3708397902"/>
       </p:ext>
     </p:extLst>
   </p:cSld>
@@ -2593,7 +2593,7 @@
     </p:spTree>
     <p:extLst>
       <p:ext uri="{BB962C8B-B14F-4D97-AF65-F5344CB8AC3E}">
-        <p14:creationId xmlns:p14="http://schemas.microsoft.com/office/powerpoint/2010/main" xmlns="" val="161352488"/>
+        <p14:creationId xmlns="" xmlns:p14="http://schemas.microsoft.com/office/powerpoint/2010/main" val="161352488"/>
       </p:ext>
     </p:extLst>
   </p:cSld>
@@ -2844,7 +2844,7 @@
     </p:spTree>
     <p:extLst>
       <p:ext uri="{BB962C8B-B14F-4D97-AF65-F5344CB8AC3E}">
-        <p14:creationId xmlns:p14="http://schemas.microsoft.com/office/powerpoint/2010/main" xmlns="" val="4002152161"/>
+        <p14:creationId xmlns="" xmlns:p14="http://schemas.microsoft.com/office/powerpoint/2010/main" val="4002152161"/>
       </p:ext>
     </p:extLst>
   </p:cSld>
@@ -3185,7 +3185,7 @@
     </p:spTree>
     <p:extLst>
       <p:ext uri="{BB962C8B-B14F-4D97-AF65-F5344CB8AC3E}">
-        <p14:creationId xmlns:p14="http://schemas.microsoft.com/office/powerpoint/2010/main" xmlns="" val="1936824716"/>
+        <p14:creationId xmlns="" xmlns:p14="http://schemas.microsoft.com/office/powerpoint/2010/main" val="1936824716"/>
       </p:ext>
     </p:extLst>
   </p:cSld>
@@ -3260,15 +3260,7 @@
           <a:p>
             <a:r>
               <a:rPr lang="en-US" dirty="0" smtClean="0"/>
-              <a:t>PC allows players more accessibility for players than consoles does.</a:t>
-            </a:r>
-            <a:r>
-              <a:rPr lang="en-US" dirty="0" smtClean="0"/>
-              <a:t> </a:t>
-            </a:r>
-            <a:r>
-              <a:rPr lang="en-US" dirty="0" smtClean="0"/>
-              <a:t>This includes control customization, system requirements and mobility.</a:t>
+              <a:t>PC allows players more accessibility for players than consoles does. This includes control customization, system requirements and mobility.</a:t>
             </a:r>
           </a:p>
           <a:p>
@@ -3589,19 +3581,25 @@
           <a:bodyPr/>
           <a:lstStyle/>
           <a:p>
+            <a:pPr>
+              <a:buNone/>
+            </a:pPr>
             <a:r>
               <a:rPr lang="en-US" dirty="0" smtClean="0"/>
-              <a:t>The brand message of Pixel Brother</a:t>
-            </a:r>
-          </a:p>
-          <a:p>
+              <a:t>The Pixel brothers is associated with adventure type games because the developers enjoy adventure games themselves</a:t>
+            </a:r>
+          </a:p>
+          <a:p>
+            <a:pPr>
+              <a:buNone/>
+            </a:pPr>
             <a:r>
               <a:rPr lang="en-US" dirty="0" smtClean="0"/>
-              <a:t>Unlike other gaming developers, Pixel brothers is a small independent developers who are not constrained on what games to make</a:t>
-            </a:r>
-            <a:r>
-              <a:rPr lang="en-US" smtClean="0"/>
-              <a:t>. </a:t>
+              <a:t>The Brand message of Pixel brothers is to make throwbacks to </a:t>
+            </a:r>
+            <a:r>
+              <a:rPr lang="en-US" smtClean="0"/>
+              <a:t>older games</a:t>
             </a:r>
             <a:endParaRPr lang="en-US" dirty="0" smtClean="0"/>
           </a:p>
@@ -3762,7 +3760,7 @@
     </p:spTree>
     <p:extLst>
       <p:ext uri="{BB962C8B-B14F-4D97-AF65-F5344CB8AC3E}">
-        <p14:creationId xmlns:p14="http://schemas.microsoft.com/office/powerpoint/2010/main" xmlns="" val="2600421956"/>
+        <p14:creationId xmlns="" xmlns:p14="http://schemas.microsoft.com/office/powerpoint/2010/main" val="2600421956"/>
       </p:ext>
     </p:extLst>
   </p:cSld>
@@ -3852,7 +3850,7 @@
     </p:spTree>
     <p:extLst>
       <p:ext uri="{BB962C8B-B14F-4D97-AF65-F5344CB8AC3E}">
-        <p14:creationId xmlns:p14="http://schemas.microsoft.com/office/powerpoint/2010/main" xmlns="" val="1727645945"/>
+        <p14:creationId xmlns="" xmlns:p14="http://schemas.microsoft.com/office/powerpoint/2010/main" val="1727645945"/>
       </p:ext>
     </p:extLst>
   </p:cSld>
@@ -3977,7 +3975,7 @@
     </p:spTree>
     <p:extLst>
       <p:ext uri="{BB962C8B-B14F-4D97-AF65-F5344CB8AC3E}">
-        <p14:creationId xmlns:p14="http://schemas.microsoft.com/office/powerpoint/2010/main" xmlns="" val="3629457851"/>
+        <p14:creationId xmlns="" xmlns:p14="http://schemas.microsoft.com/office/powerpoint/2010/main" val="3629457851"/>
       </p:ext>
     </p:extLst>
   </p:cSld>
@@ -4096,7 +4094,7 @@
     </p:spTree>
     <p:extLst>
       <p:ext uri="{BB962C8B-B14F-4D97-AF65-F5344CB8AC3E}">
-        <p14:creationId xmlns:p14="http://schemas.microsoft.com/office/powerpoint/2010/main" xmlns="" val="261435882"/>
+        <p14:creationId xmlns="" xmlns:p14="http://schemas.microsoft.com/office/powerpoint/2010/main" val="261435882"/>
       </p:ext>
     </p:extLst>
   </p:cSld>
@@ -4208,7 +4206,7 @@
     </p:spTree>
     <p:extLst>
       <p:ext uri="{BB962C8B-B14F-4D97-AF65-F5344CB8AC3E}">
-        <p14:creationId xmlns:p14="http://schemas.microsoft.com/office/powerpoint/2010/main" xmlns="" val="3105899645"/>
+        <p14:creationId xmlns="" xmlns:p14="http://schemas.microsoft.com/office/powerpoint/2010/main" val="3105899645"/>
       </p:ext>
     </p:extLst>
   </p:cSld>
@@ -4295,7 +4293,7 @@
     </p:spTree>
     <p:extLst>
       <p:ext uri="{BB962C8B-B14F-4D97-AF65-F5344CB8AC3E}">
-        <p14:creationId xmlns:p14="http://schemas.microsoft.com/office/powerpoint/2010/main" xmlns="" val="3401474335"/>
+        <p14:creationId xmlns="" xmlns:p14="http://schemas.microsoft.com/office/powerpoint/2010/main" val="3401474335"/>
       </p:ext>
     </p:extLst>
   </p:cSld>
@@ -4390,7 +4388,7 @@
     </p:spTree>
     <p:extLst>
       <p:ext uri="{BB962C8B-B14F-4D97-AF65-F5344CB8AC3E}">
-        <p14:creationId xmlns:p14="http://schemas.microsoft.com/office/powerpoint/2010/main" xmlns="" val="3849336531"/>
+        <p14:creationId xmlns="" xmlns:p14="http://schemas.microsoft.com/office/powerpoint/2010/main" val="3849336531"/>
       </p:ext>
     </p:extLst>
   </p:cSld>
@@ -4478,7 +4476,7 @@
     </p:spTree>
     <p:extLst>
       <p:ext uri="{BB962C8B-B14F-4D97-AF65-F5344CB8AC3E}">
-        <p14:creationId xmlns:p14="http://schemas.microsoft.com/office/powerpoint/2010/main" xmlns="" val="996127871"/>
+        <p14:creationId xmlns="" xmlns:p14="http://schemas.microsoft.com/office/powerpoint/2010/main" val="996127871"/>
       </p:ext>
     </p:extLst>
   </p:cSld>
